--- a/images/projects/buttons03.pptx
+++ b/images/projects/buttons03.pptx
@@ -259,7 +259,7 @@
           <a:p>
             <a:fld id="{40FD3D9A-36CF-C845-9F31-DDC271F1AF6B}" type="datetimeFigureOut">
               <a:rPr lang="en-GB" smtClean="0"/>
-              <a:t>14/11/2023</a:t>
+              <a:t>18/11/2023</a:t>
             </a:fld>
             <a:endParaRPr lang="en-GB"/>
           </a:p>
@@ -457,7 +457,7 @@
           <a:p>
             <a:fld id="{40FD3D9A-36CF-C845-9F31-DDC271F1AF6B}" type="datetimeFigureOut">
               <a:rPr lang="en-GB" smtClean="0"/>
-              <a:t>14/11/2023</a:t>
+              <a:t>18/11/2023</a:t>
             </a:fld>
             <a:endParaRPr lang="en-GB"/>
           </a:p>
@@ -665,7 +665,7 @@
           <a:p>
             <a:fld id="{40FD3D9A-36CF-C845-9F31-DDC271F1AF6B}" type="datetimeFigureOut">
               <a:rPr lang="en-GB" smtClean="0"/>
-              <a:t>14/11/2023</a:t>
+              <a:t>18/11/2023</a:t>
             </a:fld>
             <a:endParaRPr lang="en-GB"/>
           </a:p>
@@ -863,7 +863,7 @@
           <a:p>
             <a:fld id="{40FD3D9A-36CF-C845-9F31-DDC271F1AF6B}" type="datetimeFigureOut">
               <a:rPr lang="en-GB" smtClean="0"/>
-              <a:t>14/11/2023</a:t>
+              <a:t>18/11/2023</a:t>
             </a:fld>
             <a:endParaRPr lang="en-GB"/>
           </a:p>
@@ -1138,7 +1138,7 @@
           <a:p>
             <a:fld id="{40FD3D9A-36CF-C845-9F31-DDC271F1AF6B}" type="datetimeFigureOut">
               <a:rPr lang="en-GB" smtClean="0"/>
-              <a:t>14/11/2023</a:t>
+              <a:t>18/11/2023</a:t>
             </a:fld>
             <a:endParaRPr lang="en-GB"/>
           </a:p>
@@ -1403,7 +1403,7 @@
           <a:p>
             <a:fld id="{40FD3D9A-36CF-C845-9F31-DDC271F1AF6B}" type="datetimeFigureOut">
               <a:rPr lang="en-GB" smtClean="0"/>
-              <a:t>14/11/2023</a:t>
+              <a:t>18/11/2023</a:t>
             </a:fld>
             <a:endParaRPr lang="en-GB"/>
           </a:p>
@@ -1815,7 +1815,7 @@
           <a:p>
             <a:fld id="{40FD3D9A-36CF-C845-9F31-DDC271F1AF6B}" type="datetimeFigureOut">
               <a:rPr lang="en-GB" smtClean="0"/>
-              <a:t>14/11/2023</a:t>
+              <a:t>18/11/2023</a:t>
             </a:fld>
             <a:endParaRPr lang="en-GB"/>
           </a:p>
@@ -1956,7 +1956,7 @@
           <a:p>
             <a:fld id="{40FD3D9A-36CF-C845-9F31-DDC271F1AF6B}" type="datetimeFigureOut">
               <a:rPr lang="en-GB" smtClean="0"/>
-              <a:t>14/11/2023</a:t>
+              <a:t>18/11/2023</a:t>
             </a:fld>
             <a:endParaRPr lang="en-GB"/>
           </a:p>
@@ -2069,7 +2069,7 @@
           <a:p>
             <a:fld id="{40FD3D9A-36CF-C845-9F31-DDC271F1AF6B}" type="datetimeFigureOut">
               <a:rPr lang="en-GB" smtClean="0"/>
-              <a:t>14/11/2023</a:t>
+              <a:t>18/11/2023</a:t>
             </a:fld>
             <a:endParaRPr lang="en-GB"/>
           </a:p>
@@ -2380,7 +2380,7 @@
           <a:p>
             <a:fld id="{40FD3D9A-36CF-C845-9F31-DDC271F1AF6B}" type="datetimeFigureOut">
               <a:rPr lang="en-GB" smtClean="0"/>
-              <a:t>14/11/2023</a:t>
+              <a:t>18/11/2023</a:t>
             </a:fld>
             <a:endParaRPr lang="en-GB"/>
           </a:p>
@@ -2668,7 +2668,7 @@
           <a:p>
             <a:fld id="{40FD3D9A-36CF-C845-9F31-DDC271F1AF6B}" type="datetimeFigureOut">
               <a:rPr lang="en-GB" smtClean="0"/>
-              <a:t>14/11/2023</a:t>
+              <a:t>18/11/2023</a:t>
             </a:fld>
             <a:endParaRPr lang="en-GB"/>
           </a:p>
@@ -2909,7 +2909,7 @@
           <a:p>
             <a:fld id="{40FD3D9A-36CF-C845-9F31-DDC271F1AF6B}" type="datetimeFigureOut">
               <a:rPr lang="en-GB" smtClean="0"/>
-              <a:t>14/11/2023</a:t>
+              <a:t>18/11/2023</a:t>
             </a:fld>
             <a:endParaRPr lang="en-GB"/>
           </a:p>
@@ -4021,10 +4021,12 @@
             </a:avLst>
           </a:prstGeom>
           <a:solidFill>
-            <a:srgbClr val="546FA3"/>
+            <a:schemeClr val="bg1"/>
           </a:solidFill>
-          <a:ln>
-            <a:noFill/>
+          <a:ln w="19050">
+            <a:solidFill>
+              <a:srgbClr val="8BA1C2"/>
+            </a:solidFill>
           </a:ln>
         </p:spPr>
         <p:style>
@@ -4050,7 +4052,7 @@
             <a:r>
               <a:rPr lang="en-GB" sz="1400" dirty="0">
                 <a:solidFill>
-                  <a:schemeClr val="bg1"/>
+                  <a:srgbClr val="2E5287"/>
                 </a:solidFill>
                 <a:latin typeface="Noto Sans InsParthi" panose="020F0502020204030204" pitchFamily="34" charset="0"/>
                 <a:cs typeface="Noto Sans InsParthi" panose="020F0502020204030204" pitchFamily="34" charset="0"/>
@@ -4062,7 +4064,7 @@
             <a:r>
               <a:rPr lang="en-GB" sz="1400" dirty="0">
                 <a:solidFill>
-                  <a:schemeClr val="bg1"/>
+                  <a:srgbClr val="2E5287"/>
                 </a:solidFill>
                 <a:latin typeface="Noto Sans InsParthi" panose="020F0502020204030204" pitchFamily="34" charset="0"/>
                 <a:cs typeface="Noto Sans InsParthi" panose="020F0502020204030204" pitchFamily="34" charset="0"/>
@@ -4086,8 +4088,8 @@
         </p:nvSpPr>
         <p:spPr>
           <a:xfrm>
-            <a:off x="4433018" y="312803"/>
-            <a:ext cx="1740988" cy="600881"/>
+            <a:off x="4433018" y="312804"/>
+            <a:ext cx="1740988" cy="581006"/>
           </a:xfrm>
           <a:prstGeom prst="roundRect">
             <a:avLst>
@@ -4095,10 +4097,12 @@
             </a:avLst>
           </a:prstGeom>
           <a:solidFill>
-            <a:srgbClr val="546FA3"/>
+            <a:schemeClr val="bg1"/>
           </a:solidFill>
-          <a:ln>
-            <a:noFill/>
+          <a:ln w="19050">
+            <a:solidFill>
+              <a:srgbClr val="8BA1C2"/>
+            </a:solidFill>
           </a:ln>
         </p:spPr>
         <p:style>
@@ -4124,7 +4128,7 @@
             <a:r>
               <a:rPr lang="en-GB" sz="1400" dirty="0">
                 <a:solidFill>
-                  <a:schemeClr val="bg1"/>
+                  <a:srgbClr val="2E5287"/>
                 </a:solidFill>
                 <a:latin typeface="Noto Sans InsParthi" panose="020F0502020204030204" pitchFamily="34" charset="0"/>
                 <a:cs typeface="Noto Sans InsParthi" panose="020F0502020204030204" pitchFamily="34" charset="0"/>
@@ -4136,7 +4140,7 @@
             <a:r>
               <a:rPr lang="en-GB" sz="1400" dirty="0">
                 <a:solidFill>
-                  <a:schemeClr val="bg1"/>
+                  <a:srgbClr val="2E5287"/>
                 </a:solidFill>
                 <a:latin typeface="Noto Sans InsParthi" panose="020F0502020204030204" pitchFamily="34" charset="0"/>
                 <a:cs typeface="Noto Sans InsParthi" panose="020F0502020204030204" pitchFamily="34" charset="0"/>
@@ -4160,8 +4164,8 @@
         </p:nvSpPr>
         <p:spPr>
           <a:xfrm>
-            <a:off x="4433018" y="1037203"/>
-            <a:ext cx="1740988" cy="600881"/>
+            <a:off x="4433018" y="1037204"/>
+            <a:ext cx="1740988" cy="581006"/>
           </a:xfrm>
           <a:prstGeom prst="roundRect">
             <a:avLst>
@@ -4169,10 +4173,12 @@
             </a:avLst>
           </a:prstGeom>
           <a:solidFill>
-            <a:srgbClr val="546FA3"/>
+            <a:schemeClr val="bg1"/>
           </a:solidFill>
-          <a:ln>
-            <a:noFill/>
+          <a:ln w="19050">
+            <a:solidFill>
+              <a:srgbClr val="8BA1C2"/>
+            </a:solidFill>
           </a:ln>
         </p:spPr>
         <p:style>
@@ -4198,12 +4204,12 @@
             <a:r>
               <a:rPr lang="en-GB" sz="1400" dirty="0">
                 <a:solidFill>
-                  <a:schemeClr val="bg1"/>
+                  <a:srgbClr val="2E5287"/>
                 </a:solidFill>
                 <a:latin typeface="Noto Sans InsParthi" panose="020F0502020204030204" pitchFamily="34" charset="0"/>
                 <a:cs typeface="Noto Sans InsParthi" panose="020F0502020204030204" pitchFamily="34" charset="0"/>
               </a:rPr>
-              <a:t>Diabetic kidney disease  ★☆☆☆☆</a:t>
+              <a:t>Diabetic kidney disease ★☆☆☆☆</a:t>
             </a:r>
           </a:p>
         </p:txBody>
@@ -4222,8 +4228,8 @@
         </p:nvSpPr>
         <p:spPr>
           <a:xfrm>
-            <a:off x="4443802" y="1761603"/>
-            <a:ext cx="1740988" cy="600881"/>
+            <a:off x="4443802" y="1761604"/>
+            <a:ext cx="1740988" cy="581006"/>
           </a:xfrm>
           <a:prstGeom prst="roundRect">
             <a:avLst>
@@ -4231,10 +4237,12 @@
             </a:avLst>
           </a:prstGeom>
           <a:solidFill>
-            <a:srgbClr val="546FA3"/>
+            <a:schemeClr val="bg1"/>
           </a:solidFill>
-          <a:ln>
-            <a:noFill/>
+          <a:ln w="19050">
+            <a:solidFill>
+              <a:srgbClr val="8BA1C2"/>
+            </a:solidFill>
           </a:ln>
         </p:spPr>
         <p:style>
@@ -4260,7 +4268,7 @@
             <a:r>
               <a:rPr lang="en-GB" sz="1400" dirty="0">
                 <a:solidFill>
-                  <a:schemeClr val="bg1"/>
+                  <a:srgbClr val="2E5287"/>
                 </a:solidFill>
                 <a:latin typeface="Noto Sans InsParthi" panose="020F0502020204030204" pitchFamily="34" charset="0"/>
                 <a:cs typeface="Noto Sans InsParthi" panose="020F0502020204030204" pitchFamily="34" charset="0"/>
@@ -4272,7 +4280,7 @@
             <a:r>
               <a:rPr lang="en-GB" sz="1400" dirty="0">
                 <a:solidFill>
-                  <a:schemeClr val="bg1"/>
+                  <a:srgbClr val="2E5287"/>
                 </a:solidFill>
                 <a:latin typeface="Noto Sans InsParthi" panose="020F0502020204030204" pitchFamily="34" charset="0"/>
                 <a:cs typeface="Noto Sans InsParthi" panose="020F0502020204030204" pitchFamily="34" charset="0"/>
@@ -4297,7 +4305,7 @@
         <p:spPr>
           <a:xfrm>
             <a:off x="7248336" y="1398172"/>
-            <a:ext cx="1740988" cy="711960"/>
+            <a:ext cx="1740988" cy="581007"/>
           </a:xfrm>
           <a:prstGeom prst="roundRect">
             <a:avLst>
@@ -4339,19 +4347,7 @@
                 <a:latin typeface="Noto Sans InsParthi" panose="020F0502020204030204" pitchFamily="34" charset="0"/>
                 <a:cs typeface="Noto Sans InsParthi" panose="020F0502020204030204" pitchFamily="34" charset="0"/>
               </a:rPr>
-              <a:t>Neural tube closure defects </a:t>
-            </a:r>
-          </a:p>
-          <a:p>
-            <a:r>
-              <a:rPr lang="en-GB" sz="1400" dirty="0">
-                <a:solidFill>
-                  <a:schemeClr val="bg1"/>
-                </a:solidFill>
-                <a:latin typeface="Noto Sans InsParthi" panose="020F0502020204030204" pitchFamily="34" charset="0"/>
-                <a:cs typeface="Noto Sans InsParthi" panose="020F0502020204030204" pitchFamily="34" charset="0"/>
-              </a:rPr>
-              <a:t>★★★★☆</a:t>
+              <a:t>Neural tube closure defects ★★★★☆</a:t>
             </a:r>
           </a:p>
         </p:txBody>
@@ -4371,7 +4367,7 @@
         <p:spPr>
           <a:xfrm>
             <a:off x="7248336" y="573556"/>
-            <a:ext cx="1740988" cy="711960"/>
+            <a:ext cx="1740988" cy="581007"/>
           </a:xfrm>
           <a:prstGeom prst="roundRect">
             <a:avLst>
@@ -4402,7 +4398,7 @@
           </a:fontRef>
         </p:style>
         <p:txBody>
-          <a:bodyPr rtlCol="0" anchor="t"/>
+          <a:bodyPr rtlCol="0" anchor="ctr"/>
           <a:lstStyle/>
           <a:p>
             <a:r>
@@ -4445,7 +4441,7 @@
         <p:spPr>
           <a:xfrm>
             <a:off x="7248336" y="2218045"/>
-            <a:ext cx="1740987" cy="711960"/>
+            <a:ext cx="1740987" cy="581007"/>
           </a:xfrm>
           <a:prstGeom prst="roundRect">
             <a:avLst>
@@ -4453,10 +4449,12 @@
             </a:avLst>
           </a:prstGeom>
           <a:solidFill>
-            <a:srgbClr val="546FA3"/>
+            <a:schemeClr val="bg1"/>
           </a:solidFill>
-          <a:ln>
-            <a:noFill/>
+          <a:ln w="19050">
+            <a:solidFill>
+              <a:srgbClr val="8BA1C2"/>
+            </a:solidFill>
           </a:ln>
         </p:spPr>
         <p:style>
@@ -4482,7 +4480,7 @@
             <a:r>
               <a:rPr lang="en-GB" sz="1350" dirty="0">
                 <a:solidFill>
-                  <a:schemeClr val="bg1"/>
+                  <a:srgbClr val="2E5287"/>
                 </a:solidFill>
                 <a:latin typeface="Noto Sans InsParthi" panose="020F0502020204030204" pitchFamily="34" charset="0"/>
                 <a:cs typeface="Noto Sans InsParthi" panose="020F0502020204030204" pitchFamily="34" charset="0"/>
@@ -4492,7 +4490,7 @@
             <a:r>
               <a:rPr lang="en-GB" sz="1350" dirty="0" err="1">
                 <a:solidFill>
-                  <a:schemeClr val="bg1"/>
+                  <a:srgbClr val="2E5287"/>
                 </a:solidFill>
                 <a:latin typeface="Noto Sans InsParthi" panose="020F0502020204030204" pitchFamily="34" charset="0"/>
                 <a:cs typeface="Noto Sans InsParthi" panose="020F0502020204030204" pitchFamily="34" charset="0"/>
@@ -4502,7 +4500,7 @@
             <a:r>
               <a:rPr lang="en-GB" sz="1350" dirty="0">
                 <a:solidFill>
-                  <a:schemeClr val="bg1"/>
+                  <a:srgbClr val="2E5287"/>
                 </a:solidFill>
                 <a:latin typeface="Noto Sans InsParthi" panose="020F0502020204030204" pitchFamily="34" charset="0"/>
                 <a:cs typeface="Noto Sans InsParthi" panose="020F0502020204030204" pitchFamily="34" charset="0"/>
@@ -4512,7 +4510,7 @@
             <a:r>
               <a:rPr lang="en-GB" sz="1400" dirty="0">
                 <a:solidFill>
-                  <a:schemeClr val="bg1"/>
+                  <a:srgbClr val="2E5287"/>
                 </a:solidFill>
                 <a:latin typeface="Noto Sans InsParthi" panose="020F0502020204030204" pitchFamily="34" charset="0"/>
                 <a:cs typeface="Noto Sans InsParthi" panose="020F0502020204030204" pitchFamily="34" charset="0"/>
@@ -4537,7 +4535,7 @@
         <p:spPr>
           <a:xfrm>
             <a:off x="7248336" y="3031321"/>
-            <a:ext cx="1740988" cy="711960"/>
+            <a:ext cx="1740988" cy="581007"/>
           </a:xfrm>
           <a:prstGeom prst="roundRect">
             <a:avLst>
@@ -4545,10 +4543,12 @@
             </a:avLst>
           </a:prstGeom>
           <a:solidFill>
-            <a:srgbClr val="546FA3"/>
+            <a:schemeClr val="bg1"/>
           </a:solidFill>
-          <a:ln>
-            <a:noFill/>
+          <a:ln w="19050">
+            <a:solidFill>
+              <a:srgbClr val="8BA1C2"/>
+            </a:solidFill>
           </a:ln>
         </p:spPr>
         <p:style>
@@ -4574,24 +4574,12 @@
             <a:r>
               <a:rPr lang="en-GB" sz="1400" dirty="0">
                 <a:solidFill>
-                  <a:schemeClr val="bg1"/>
+                  <a:srgbClr val="2E5287"/>
                 </a:solidFill>
                 <a:latin typeface="Noto Sans InsParthi" panose="020F0502020204030204" pitchFamily="34" charset="0"/>
                 <a:cs typeface="Noto Sans InsParthi" panose="020F0502020204030204" pitchFamily="34" charset="0"/>
               </a:rPr>
-              <a:t>Cognitive function defects</a:t>
-            </a:r>
-          </a:p>
-          <a:p>
-            <a:r>
-              <a:rPr lang="en-GB" sz="1400" dirty="0">
-                <a:solidFill>
-                  <a:schemeClr val="bg1"/>
-                </a:solidFill>
-                <a:latin typeface="Noto Sans InsParthi" panose="020F0502020204030204" pitchFamily="34" charset="0"/>
-                <a:cs typeface="Noto Sans InsParthi" panose="020F0502020204030204" pitchFamily="34" charset="0"/>
-              </a:rPr>
-              <a:t>★☆☆☆☆</a:t>
+              <a:t>Cognitive function defects ★☆☆☆☆</a:t>
             </a:r>
           </a:p>
         </p:txBody>
@@ -4611,7 +4599,7 @@
         <p:spPr>
           <a:xfrm>
             <a:off x="7248336" y="3844597"/>
-            <a:ext cx="1740988" cy="711960"/>
+            <a:ext cx="1740988" cy="581007"/>
           </a:xfrm>
           <a:prstGeom prst="roundRect">
             <a:avLst>
@@ -4619,10 +4607,12 @@
             </a:avLst>
           </a:prstGeom>
           <a:solidFill>
-            <a:srgbClr val="546FA3"/>
+            <a:schemeClr val="bg1"/>
           </a:solidFill>
-          <a:ln>
-            <a:noFill/>
+          <a:ln w="19050">
+            <a:solidFill>
+              <a:srgbClr val="8BA1C2"/>
+            </a:solidFill>
           </a:ln>
         </p:spPr>
         <p:style>
@@ -4648,24 +4638,12 @@
             <a:r>
               <a:rPr lang="en-GB" sz="1400" dirty="0">
                 <a:solidFill>
-                  <a:schemeClr val="bg1"/>
+                  <a:srgbClr val="2E5287"/>
                 </a:solidFill>
                 <a:latin typeface="Noto Sans InsParthi" panose="020F0502020204030204" pitchFamily="34" charset="0"/>
                 <a:cs typeface="Noto Sans InsParthi" panose="020F0502020204030204" pitchFamily="34" charset="0"/>
               </a:rPr>
-              <a:t>Immune-mediated diseases </a:t>
-            </a:r>
-          </a:p>
-          <a:p>
-            <a:r>
-              <a:rPr lang="en-GB" sz="1400" dirty="0">
-                <a:solidFill>
-                  <a:schemeClr val="bg1"/>
-                </a:solidFill>
-                <a:latin typeface="Noto Sans InsParthi" panose="020F0502020204030204" pitchFamily="34" charset="0"/>
-                <a:cs typeface="Noto Sans InsParthi" panose="020F0502020204030204" pitchFamily="34" charset="0"/>
-              </a:rPr>
-              <a:t>★☆☆☆☆</a:t>
+              <a:t>Immune-mediated diseases ★☆☆☆☆</a:t>
             </a:r>
           </a:p>
         </p:txBody>
@@ -4685,7 +4663,7 @@
         <p:spPr>
           <a:xfrm>
             <a:off x="7248336" y="4657896"/>
-            <a:ext cx="1740988" cy="711960"/>
+            <a:ext cx="1740988" cy="581007"/>
           </a:xfrm>
           <a:prstGeom prst="roundRect">
             <a:avLst>
@@ -4758,8 +4736,8 @@
         </p:nvSpPr>
         <p:spPr>
           <a:xfrm>
-            <a:off x="4440153" y="2468053"/>
-            <a:ext cx="1740988" cy="600881"/>
+            <a:off x="4440153" y="2468054"/>
+            <a:ext cx="1740988" cy="581006"/>
           </a:xfrm>
           <a:prstGeom prst="roundRect">
             <a:avLst>
@@ -4767,10 +4745,12 @@
             </a:avLst>
           </a:prstGeom>
           <a:solidFill>
-            <a:srgbClr val="546FA3"/>
+            <a:schemeClr val="bg1"/>
           </a:solidFill>
-          <a:ln>
-            <a:noFill/>
+          <a:ln w="19050">
+            <a:solidFill>
+              <a:srgbClr val="8BA1C2"/>
+            </a:solidFill>
           </a:ln>
         </p:spPr>
         <p:style>
@@ -4796,7 +4776,7 @@
             <a:r>
               <a:rPr lang="en-GB" sz="1400" dirty="0">
                 <a:solidFill>
-                  <a:schemeClr val="bg1"/>
+                  <a:srgbClr val="2E5287"/>
                 </a:solidFill>
                 <a:latin typeface="Noto Sans InsParthi" panose="020F0502020204030204" pitchFamily="34" charset="0"/>
                 <a:cs typeface="Noto Sans InsParthi" panose="020F0502020204030204" pitchFamily="34" charset="0"/>
@@ -4808,7 +4788,7 @@
             <a:r>
               <a:rPr lang="en-GB" sz="1400" dirty="0">
                 <a:solidFill>
-                  <a:schemeClr val="bg1"/>
+                  <a:srgbClr val="2E5287"/>
                 </a:solidFill>
                 <a:latin typeface="Noto Sans InsParthi" panose="020F0502020204030204" pitchFamily="34" charset="0"/>
                 <a:cs typeface="Noto Sans InsParthi" panose="020F0502020204030204" pitchFamily="34" charset="0"/>
@@ -4832,8 +4812,8 @@
         </p:nvSpPr>
         <p:spPr>
           <a:xfrm>
-            <a:off x="4440153" y="3192453"/>
-            <a:ext cx="1740988" cy="600881"/>
+            <a:off x="4440153" y="3192454"/>
+            <a:ext cx="1740988" cy="581006"/>
           </a:xfrm>
           <a:prstGeom prst="roundRect">
             <a:avLst>
@@ -4841,10 +4821,12 @@
             </a:avLst>
           </a:prstGeom>
           <a:solidFill>
-            <a:srgbClr val="546FA3"/>
+            <a:schemeClr val="bg1"/>
           </a:solidFill>
-          <a:ln>
-            <a:noFill/>
+          <a:ln w="19050">
+            <a:solidFill>
+              <a:srgbClr val="8BA1C2"/>
+            </a:solidFill>
           </a:ln>
         </p:spPr>
         <p:style>
@@ -4870,7 +4852,7 @@
             <a:r>
               <a:rPr lang="en-GB" sz="1400" dirty="0">
                 <a:solidFill>
-                  <a:schemeClr val="bg1"/>
+                  <a:srgbClr val="2E5287"/>
                 </a:solidFill>
                 <a:latin typeface="Noto Sans InsParthi" panose="020F0502020204030204" pitchFamily="34" charset="0"/>
                 <a:cs typeface="Noto Sans InsParthi" panose="020F0502020204030204" pitchFamily="34" charset="0"/>
@@ -4894,8 +4876,8 @@
         </p:nvSpPr>
         <p:spPr>
           <a:xfrm>
-            <a:off x="4450937" y="3916853"/>
-            <a:ext cx="1740988" cy="600881"/>
+            <a:off x="4450937" y="3916854"/>
+            <a:ext cx="1740988" cy="581006"/>
           </a:xfrm>
           <a:prstGeom prst="roundRect">
             <a:avLst>
@@ -4903,10 +4885,12 @@
             </a:avLst>
           </a:prstGeom>
           <a:solidFill>
-            <a:srgbClr val="546FA3"/>
+            <a:schemeClr val="bg1"/>
           </a:solidFill>
-          <a:ln>
-            <a:noFill/>
+          <a:ln w="19050">
+            <a:solidFill>
+              <a:srgbClr val="8BA1C2"/>
+            </a:solidFill>
           </a:ln>
         </p:spPr>
         <p:style>
@@ -4932,7 +4916,7 @@
             <a:r>
               <a:rPr lang="en-GB" sz="1400" dirty="0">
                 <a:solidFill>
-                  <a:schemeClr val="bg1"/>
+                  <a:srgbClr val="2E5287"/>
                 </a:solidFill>
                 <a:latin typeface="Noto Sans InsParthi" panose="020F0502020204030204" pitchFamily="34" charset="0"/>
                 <a:cs typeface="Noto Sans InsParthi" panose="020F0502020204030204" pitchFamily="34" charset="0"/>
@@ -4944,7 +4928,7 @@
             <a:r>
               <a:rPr lang="en-GB" sz="1400" dirty="0">
                 <a:solidFill>
-                  <a:schemeClr val="bg1"/>
+                  <a:srgbClr val="2E5287"/>
                 </a:solidFill>
                 <a:latin typeface="Noto Sans InsParthi" panose="020F0502020204030204" pitchFamily="34" charset="0"/>
                 <a:cs typeface="Noto Sans InsParthi" panose="020F0502020204030204" pitchFamily="34" charset="0"/>
@@ -4969,7 +4953,7 @@
         <p:spPr>
           <a:xfrm>
             <a:off x="9451404" y="573556"/>
-            <a:ext cx="1740988" cy="711960"/>
+            <a:ext cx="1740988" cy="581007"/>
           </a:xfrm>
           <a:prstGeom prst="roundRect">
             <a:avLst>
@@ -5000,7 +4984,7 @@
           </a:fontRef>
         </p:style>
         <p:txBody>
-          <a:bodyPr rtlCol="0" anchor="t"/>
+          <a:bodyPr rtlCol="0" anchor="ctr"/>
           <a:lstStyle/>
           <a:p>
             <a:r>
@@ -5031,7 +5015,7 @@
         <p:spPr>
           <a:xfrm>
             <a:off x="9462188" y="1405623"/>
-            <a:ext cx="1740988" cy="711960"/>
+            <a:ext cx="1740988" cy="581007"/>
           </a:xfrm>
           <a:prstGeom prst="roundRect">
             <a:avLst>
@@ -5039,10 +5023,12 @@
             </a:avLst>
           </a:prstGeom>
           <a:solidFill>
-            <a:srgbClr val="546FA3"/>
+            <a:schemeClr val="bg1"/>
           </a:solidFill>
           <a:ln>
-            <a:noFill/>
+            <a:solidFill>
+              <a:srgbClr val="8BA1C2"/>
+            </a:solidFill>
           </a:ln>
         </p:spPr>
         <p:style>
@@ -5068,7 +5054,7 @@
             <a:r>
               <a:rPr lang="en-GB" sz="1400" dirty="0">
                 <a:solidFill>
-                  <a:schemeClr val="bg1"/>
+                  <a:srgbClr val="2E5287"/>
                 </a:solidFill>
                 <a:latin typeface="Noto Sans InsParthi" panose="020F0502020204030204" pitchFamily="34" charset="0"/>
                 <a:cs typeface="Noto Sans InsParthi" panose="020F0502020204030204" pitchFamily="34" charset="0"/>
